--- a/STS3022 Soft Skills/reference materials/teams/Permutation and Combination 3 (1).pptx
+++ b/STS3022 Soft Skills/reference materials/teams/Permutation and Combination 3 (1).pptx
@@ -18518,6 +18518,36 @@
           </a:p>
         </p:txBody>
       </p:sp>
+      <p:pic>
+        <p:nvPicPr>
+          <p:cNvPr id="3" name="Picture 2">
+            <a:extLst>
+              <a:ext uri="{FF2B5EF4-FFF2-40B4-BE49-F238E27FC236}">
+                <a16:creationId xmlns:a16="http://schemas.microsoft.com/office/drawing/2014/main" id="{20AF6A3D-3EE9-7B6D-0F89-7B8AA7BF9947}"/>
+              </a:ext>
+            </a:extLst>
+          </p:cNvPr>
+          <p:cNvPicPr>
+            <a:picLocks noChangeAspect="1"/>
+          </p:cNvPicPr>
+          <p:nvPr/>
+        </p:nvPicPr>
+        <p:blipFill>
+          <a:blip r:embed="rId5"/>
+          <a:stretch>
+            <a:fillRect/>
+          </a:stretch>
+        </p:blipFill>
+        <p:spPr>
+          <a:xfrm>
+            <a:off x="2712720" y="1858616"/>
+            <a:ext cx="4752340" cy="2737974"/>
+          </a:xfrm>
+          <a:prstGeom prst="rect">
+            <a:avLst/>
+          </a:prstGeom>
+        </p:spPr>
+      </p:pic>
     </p:spTree>
     <p:extLst>
       <p:ext uri="{BB962C8B-B14F-4D97-AF65-F5344CB8AC3E}">
@@ -25428,6 +25458,12 @@
 </file>
 
 <file path=customXml/item1.xml><?xml version="1.0" encoding="utf-8"?>
+<p:properties xmlns:p="http://schemas.microsoft.com/office/2006/metadata/properties" xmlns:xsi="http://www.w3.org/2001/XMLSchema-instance" xmlns:pc="http://schemas.microsoft.com/office/infopath/2007/PartnerControls">
+  <documentManagement/>
+</p:properties>
+</file>
+
+<file path=customXml/item2.xml><?xml version="1.0" encoding="utf-8"?>
 <ct:contentTypeSchema xmlns:ct="http://schemas.microsoft.com/office/2006/metadata/contentType" xmlns:ma="http://schemas.microsoft.com/office/2006/metadata/properties/metaAttributes" ct:_="" ma:_="" ma:contentTypeName="Document" ma:contentTypeID="0x010100459FEDB7F3802F468C3F317ED9EE4CFD" ma:contentTypeVersion="5" ma:contentTypeDescription="Create a new document." ma:contentTypeScope="" ma:versionID="6fe5db675d18f63c65be8bb08b523b90">
   <xsd:schema xmlns:xsd="http://www.w3.org/2001/XMLSchema" xmlns:xs="http://www.w3.org/2001/XMLSchema" xmlns:p="http://schemas.microsoft.com/office/2006/metadata/properties" xmlns:ns2="b59e9f2d-0158-4a14-8bbe-457d8844f88f" targetNamespace="http://schemas.microsoft.com/office/2006/metadata/properties" ma:root="true" ma:fieldsID="461deb205d52b7b2dc1eb04643edfaa4" ns2:_="">
     <xsd:import namespace="b59e9f2d-0158-4a14-8bbe-457d8844f88f"/>
@@ -25577,12 +25613,6 @@
 </ct:contentTypeSchema>
 </file>
 
-<file path=customXml/item2.xml><?xml version="1.0" encoding="utf-8"?>
-<p:properties xmlns:p="http://schemas.microsoft.com/office/2006/metadata/properties" xmlns:xsi="http://www.w3.org/2001/XMLSchema-instance" xmlns:pc="http://schemas.microsoft.com/office/infopath/2007/PartnerControls">
-  <documentManagement/>
-</p:properties>
-</file>
-
 <file path=customXml/item3.xml><?xml version="1.0" encoding="utf-8"?>
 <?mso-contentType ?>
 <FormTemplates xmlns="http://schemas.microsoft.com/sharepoint/v3/contenttype/forms">
@@ -25593,6 +25623,15 @@
 </file>
 
 <file path=customXml/itemProps1.xml><?xml version="1.0" encoding="utf-8"?>
+<ds:datastoreItem xmlns:ds="http://schemas.openxmlformats.org/officeDocument/2006/customXml" ds:itemID="{5DFC0564-224A-4743-A505-03E718C2D605}">
+  <ds:schemaRefs>
+    <ds:schemaRef ds:uri="http://schemas.microsoft.com/office/2006/metadata/properties"/>
+    <ds:schemaRef ds:uri="http://schemas.microsoft.com/office/infopath/2007/PartnerControls"/>
+  </ds:schemaRefs>
+</ds:datastoreItem>
+</file>
+
+<file path=customXml/itemProps2.xml><?xml version="1.0" encoding="utf-8"?>
 <ds:datastoreItem xmlns:ds="http://schemas.openxmlformats.org/officeDocument/2006/customXml" ds:itemID="{443B1FCF-CBA1-4ADD-A709-15918570D28B}">
   <ds:schemaRefs>
     <ds:schemaRef ds:uri="http://schemas.microsoft.com/office/2006/metadata/contentType"/>
@@ -25610,15 +25649,6 @@
 </ds:datastoreItem>
 </file>
 
-<file path=customXml/itemProps2.xml><?xml version="1.0" encoding="utf-8"?>
-<ds:datastoreItem xmlns:ds="http://schemas.openxmlformats.org/officeDocument/2006/customXml" ds:itemID="{5DFC0564-224A-4743-A505-03E718C2D605}">
-  <ds:schemaRefs>
-    <ds:schemaRef ds:uri="http://schemas.microsoft.com/office/2006/metadata/properties"/>
-    <ds:schemaRef ds:uri="http://schemas.microsoft.com/office/infopath/2007/PartnerControls"/>
-  </ds:schemaRefs>
-</ds:datastoreItem>
-</file>
-
 <file path=customXml/itemProps3.xml><?xml version="1.0" encoding="utf-8"?>
 <ds:datastoreItem xmlns:ds="http://schemas.openxmlformats.org/officeDocument/2006/customXml" ds:itemID="{BE0C9B8C-92FE-45DC-A62B-DE05277B99D7}">
   <ds:schemaRefs>
